--- a/docs/deployment_guide/images/thousandeyes-architecture-diagram.pptx
+++ b/docs/deployment_guide/images/thousandeyes-architecture-diagram.pptx
@@ -212,7 +212,7 @@
           <a:p>
             <a:fld id="{9E3B70A3-5E8B-444E-8214-CC6D26C2994C}" type="datetimeFigureOut">
               <a:rPr lang="en-US" smtClean="0"/>
-              <a:t>3/31/2022</a:t>
+              <a:t>4/5/2022</a:t>
             </a:fld>
             <a:endParaRPr lang="en-US" dirty="0"/>
           </a:p>
@@ -636,7 +636,7 @@
               <a:rPr lang="en-US" smtClean="0"/>
               <a:t>2</a:t>
             </a:fld>
-            <a:endParaRPr lang="en-US"/>
+            <a:endParaRPr lang="en-US" dirty="0"/>
           </a:p>
         </p:txBody>
       </p:sp>
@@ -782,7 +782,7 @@
           <a:p>
             <a:fld id="{9906B7AC-F4A4-4EF0-B8FF-1A5AD93B6FDF}" type="datetimeFigureOut">
               <a:rPr lang="en-US" smtClean="0"/>
-              <a:t>3/31/2022</a:t>
+              <a:t>4/5/2022</a:t>
             </a:fld>
             <a:endParaRPr lang="en-US" dirty="0"/>
           </a:p>
@@ -950,7 +950,7 @@
           <a:p>
             <a:fld id="{9906B7AC-F4A4-4EF0-B8FF-1A5AD93B6FDF}" type="datetimeFigureOut">
               <a:rPr lang="en-US" smtClean="0"/>
-              <a:t>3/31/2022</a:t>
+              <a:t>4/5/2022</a:t>
             </a:fld>
             <a:endParaRPr lang="en-US" dirty="0"/>
           </a:p>
@@ -1128,7 +1128,7 @@
           <a:p>
             <a:fld id="{9906B7AC-F4A4-4EF0-B8FF-1A5AD93B6FDF}" type="datetimeFigureOut">
               <a:rPr lang="en-US" smtClean="0"/>
-              <a:t>3/31/2022</a:t>
+              <a:t>4/5/2022</a:t>
             </a:fld>
             <a:endParaRPr lang="en-US" dirty="0"/>
           </a:p>
@@ -1428,7 +1428,7 @@
           <a:p>
             <a:fld id="{9906B7AC-F4A4-4EF0-B8FF-1A5AD93B6FDF}" type="datetimeFigureOut">
               <a:rPr lang="en-US" smtClean="0"/>
-              <a:t>3/31/2022</a:t>
+              <a:t>4/5/2022</a:t>
             </a:fld>
             <a:endParaRPr lang="en-US" dirty="0"/>
           </a:p>
@@ -1673,7 +1673,7 @@
           <a:p>
             <a:fld id="{9906B7AC-F4A4-4EF0-B8FF-1A5AD93B6FDF}" type="datetimeFigureOut">
               <a:rPr lang="en-US" smtClean="0"/>
-              <a:t>3/31/2022</a:t>
+              <a:t>4/5/2022</a:t>
             </a:fld>
             <a:endParaRPr lang="en-US" dirty="0"/>
           </a:p>
@@ -1902,7 +1902,7 @@
           <a:p>
             <a:fld id="{9906B7AC-F4A4-4EF0-B8FF-1A5AD93B6FDF}" type="datetimeFigureOut">
               <a:rPr lang="en-US" smtClean="0"/>
-              <a:t>3/31/2022</a:t>
+              <a:t>4/5/2022</a:t>
             </a:fld>
             <a:endParaRPr lang="en-US" dirty="0"/>
           </a:p>
@@ -2266,7 +2266,7 @@
           <a:p>
             <a:fld id="{9906B7AC-F4A4-4EF0-B8FF-1A5AD93B6FDF}" type="datetimeFigureOut">
               <a:rPr lang="en-US" smtClean="0"/>
-              <a:t>3/31/2022</a:t>
+              <a:t>4/5/2022</a:t>
             </a:fld>
             <a:endParaRPr lang="en-US" dirty="0"/>
           </a:p>
@@ -2383,7 +2383,7 @@
           <a:p>
             <a:fld id="{9906B7AC-F4A4-4EF0-B8FF-1A5AD93B6FDF}" type="datetimeFigureOut">
               <a:rPr lang="en-US" smtClean="0"/>
-              <a:t>3/31/2022</a:t>
+              <a:t>4/5/2022</a:t>
             </a:fld>
             <a:endParaRPr lang="en-US" dirty="0"/>
           </a:p>
@@ -2478,7 +2478,7 @@
           <a:p>
             <a:fld id="{9906B7AC-F4A4-4EF0-B8FF-1A5AD93B6FDF}" type="datetimeFigureOut">
               <a:rPr lang="en-US" smtClean="0"/>
-              <a:t>3/31/2022</a:t>
+              <a:t>4/5/2022</a:t>
             </a:fld>
             <a:endParaRPr lang="en-US" dirty="0"/>
           </a:p>
@@ -2753,7 +2753,7 @@
           <a:p>
             <a:fld id="{9906B7AC-F4A4-4EF0-B8FF-1A5AD93B6FDF}" type="datetimeFigureOut">
               <a:rPr lang="en-US" smtClean="0"/>
-              <a:t>3/31/2022</a:t>
+              <a:t>4/5/2022</a:t>
             </a:fld>
             <a:endParaRPr lang="en-US" dirty="0"/>
           </a:p>
@@ -3005,7 +3005,7 @@
           <a:p>
             <a:fld id="{9906B7AC-F4A4-4EF0-B8FF-1A5AD93B6FDF}" type="datetimeFigureOut">
               <a:rPr lang="en-US" smtClean="0"/>
-              <a:t>3/31/2022</a:t>
+              <a:t>4/5/2022</a:t>
             </a:fld>
             <a:endParaRPr lang="en-US" dirty="0"/>
           </a:p>
@@ -3216,7 +3216,7 @@
           <a:p>
             <a:fld id="{9906B7AC-F4A4-4EF0-B8FF-1A5AD93B6FDF}" type="datetimeFigureOut">
               <a:rPr lang="en-US" smtClean="0"/>
-              <a:t>3/31/2022</a:t>
+              <a:t>4/5/2022</a:t>
             </a:fld>
             <a:endParaRPr lang="en-US" dirty="0"/>
           </a:p>
@@ -3638,8 +3638,8 @@
         </p:nvSpPr>
         <p:spPr bwMode="auto">
           <a:xfrm>
-            <a:off x="4282625" y="1879745"/>
-            <a:ext cx="1754283" cy="646331"/>
+            <a:off x="1867990" y="49131"/>
+            <a:ext cx="2489433" cy="461665"/>
           </a:xfrm>
           <a:prstGeom prst="rect">
             <a:avLst/>
@@ -3781,12 +3781,9 @@
                 <a:ea typeface="Amazon Ember" panose="020B0603020204020204" pitchFamily="34" charset="0"/>
                 <a:cs typeface="Arial" panose="020B0604020202020204" pitchFamily="34" charset="0"/>
               </a:rPr>
-              <a:t>Amazon Connect Contact Control Panel</a:t>
-            </a:r>
-          </a:p>
-          <a:p>
-            <a:pPr algn="ctr" eaLnBrk="1" hangingPunct="1"/>
-            <a:r>
+              <a:t>Amazon Connect </a:t>
+            </a:r>
+            <a:br>
               <a:rPr lang="en-US" altLang="en-US" sz="1200" dirty="0">
                 <a:solidFill>
                   <a:srgbClr val="000000"/>
@@ -3795,7 +3792,17 @@
                 <a:ea typeface="Amazon Ember" panose="020B0603020204020204" pitchFamily="34" charset="0"/>
                 <a:cs typeface="Arial" panose="020B0604020202020204" pitchFamily="34" charset="0"/>
               </a:rPr>
-              <a:t>(CCP)</a:t>
+            </a:br>
+            <a:r>
+              <a:rPr lang="en-US" altLang="en-US" sz="1200" dirty="0">
+                <a:solidFill>
+                  <a:srgbClr val="000000"/>
+                </a:solidFill>
+                <a:latin typeface="Arial" panose="020B0604020202020204" pitchFamily="34" charset="0"/>
+                <a:ea typeface="Amazon Ember" panose="020B0603020204020204" pitchFamily="34" charset="0"/>
+                <a:cs typeface="Arial" panose="020B0604020202020204" pitchFamily="34" charset="0"/>
+              </a:rPr>
+              <a:t>Contact Control Panel (CCP)</a:t>
             </a:r>
           </a:p>
         </p:txBody>
@@ -3816,8 +3823,8 @@
         </p:nvSpPr>
         <p:spPr bwMode="auto">
           <a:xfrm>
-            <a:off x="2469874" y="6406608"/>
-            <a:ext cx="1347291" cy="461665"/>
+            <a:off x="1946675" y="6181755"/>
+            <a:ext cx="2403068" cy="461665"/>
           </a:xfrm>
           <a:prstGeom prst="rect">
             <a:avLst/>
@@ -3958,19 +3965,17 @@
                 <a:latin typeface="Arial" panose="020B0604020202020204" pitchFamily="34" charset="0"/>
                 <a:cs typeface="Arial" panose="020B0604020202020204" pitchFamily="34" charset="0"/>
               </a:rPr>
-              <a:t>Endpoint Agents </a:t>
-            </a:r>
-            <a:r>
-              <a:rPr lang="en-US" sz="1200" dirty="0">
+              <a:t>Endpoint Agent</a:t>
+            </a:r>
+            <a:br>
+              <a:rPr lang="en-US" altLang="en-US" sz="1200" dirty="0">
+                <a:solidFill>
+                  <a:srgbClr val="000000"/>
+                </a:solidFill>
                 <a:latin typeface="Arial" panose="020B0604020202020204" pitchFamily="34" charset="0"/>
                 <a:cs typeface="Arial" panose="020B0604020202020204" pitchFamily="34" charset="0"/>
               </a:rPr>
-              <a:t>application</a:t>
-            </a:r>
-            <a:r>
-              <a:rPr lang="en-US" sz="1200" dirty="0"/>
-              <a:t> </a:t>
-            </a:r>
+            </a:br>
             <a:r>
               <a:rPr lang="en-US" altLang="en-US" sz="1200" dirty="0">
                 <a:solidFill>
@@ -3979,7 +3984,7 @@
                 <a:latin typeface="Arial" panose="020B0604020202020204" pitchFamily="34" charset="0"/>
                 <a:cs typeface="Arial" panose="020B0604020202020204" pitchFamily="34" charset="0"/>
               </a:rPr>
-              <a:t> </a:t>
+              <a:t>on end-user laptops or desktops</a:t>
             </a:r>
           </a:p>
         </p:txBody>
@@ -3998,8 +4003,8 @@
         </p:nvSpPr>
         <p:spPr bwMode="auto">
           <a:xfrm>
-            <a:off x="6010196" y="610377"/>
-            <a:ext cx="4906513" cy="4423234"/>
+            <a:off x="6010197" y="1632852"/>
+            <a:ext cx="3589714" cy="3834499"/>
           </a:xfrm>
           <a:prstGeom prst="rect">
             <a:avLst/>
@@ -4081,7 +4086,7 @@
         </p:blipFill>
         <p:spPr>
           <a:xfrm>
-            <a:off x="6010196" y="610378"/>
+            <a:off x="6010197" y="1632852"/>
             <a:ext cx="381000" cy="381000"/>
           </a:xfrm>
           <a:prstGeom prst="rect">
@@ -4105,7 +4110,7 @@
         </p:nvSpPr>
         <p:spPr bwMode="auto">
           <a:xfrm>
-            <a:off x="5889173" y="2238792"/>
+            <a:off x="5889173" y="2963475"/>
             <a:ext cx="1729049" cy="276999"/>
           </a:xfrm>
           <a:prstGeom prst="rect">
@@ -4242,10 +4247,9 @@
             <a:r>
               <a:rPr lang="en-US" altLang="en-US" sz="1200" dirty="0">
                 <a:solidFill>
-                  <a:srgbClr val="161E2D"/>
+                  <a:srgbClr val="16191F"/>
                 </a:solidFill>
                 <a:latin typeface="Arial" panose="020B0604020202020204" pitchFamily="34" charset="0"/>
-                <a:ea typeface="Amazon Ember" panose="020B0603020204020204" pitchFamily="34" charset="0"/>
                 <a:cs typeface="Arial" panose="020B0604020202020204" pitchFamily="34" charset="0"/>
               </a:rPr>
               <a:t>Amazon Connect</a:t>
@@ -4280,7 +4284,7 @@
         </p:blipFill>
         <p:spPr bwMode="auto">
           <a:xfrm>
-            <a:off x="6394629" y="1400398"/>
+            <a:off x="6394629" y="2199898"/>
             <a:ext cx="762000" cy="762000"/>
           </a:xfrm>
           <a:prstGeom prst="rect">
@@ -4325,7 +4329,7 @@
         </p:nvSpPr>
         <p:spPr>
           <a:xfrm>
-            <a:off x="4476955" y="1273589"/>
+            <a:off x="4504559" y="2580539"/>
             <a:ext cx="1370275" cy="461665"/>
           </a:xfrm>
           <a:prstGeom prst="rect">
@@ -4390,7 +4394,7 @@
         </p:blipFill>
         <p:spPr bwMode="auto">
           <a:xfrm>
-            <a:off x="6394629" y="3315344"/>
+            <a:off x="6394629" y="3574518"/>
             <a:ext cx="762000" cy="762000"/>
           </a:xfrm>
           <a:prstGeom prst="rect">
@@ -4437,7 +4441,7 @@
         </p:nvSpPr>
         <p:spPr bwMode="auto">
           <a:xfrm>
-            <a:off x="6010426" y="4153737"/>
+            <a:off x="6010426" y="4338094"/>
             <a:ext cx="1530406" cy="461665"/>
           </a:xfrm>
           <a:prstGeom prst="rect">
@@ -4611,7 +4615,7 @@
         </p:blipFill>
         <p:spPr bwMode="auto">
           <a:xfrm>
-            <a:off x="9878117" y="3308554"/>
+            <a:off x="8561318" y="3582637"/>
             <a:ext cx="762000" cy="762000"/>
           </a:xfrm>
           <a:prstGeom prst="rect">
@@ -4658,7 +4662,7 @@
         </p:nvSpPr>
         <p:spPr bwMode="auto">
           <a:xfrm>
-            <a:off x="9592886" y="4153737"/>
+            <a:off x="8276087" y="4353003"/>
             <a:ext cx="1323823" cy="283225"/>
           </a:xfrm>
           <a:prstGeom prst="rect">
@@ -4819,8 +4823,8 @@
         </p:nvSpPr>
         <p:spPr bwMode="auto">
           <a:xfrm>
-            <a:off x="7535381" y="4153737"/>
-            <a:ext cx="1963949" cy="600164"/>
+            <a:off x="7380130" y="4178057"/>
+            <a:ext cx="977949" cy="430887"/>
           </a:xfrm>
           <a:prstGeom prst="rect">
             <a:avLst/>
@@ -4958,17 +4962,7 @@
                 <a:latin typeface="Arial" panose="020B0604020202020204" pitchFamily="34" charset="0"/>
                 <a:cs typeface="Arial" panose="020B0604020202020204" pitchFamily="34" charset="0"/>
               </a:rPr>
-              <a:t>Lambda functions: </a:t>
-            </a:r>
-          </a:p>
-          <a:p>
-            <a:pPr algn="ctr" eaLnBrk="1" hangingPunct="1"/>
-            <a:r>
-              <a:rPr lang="en-US" altLang="en-US" sz="1100" dirty="0">
-                <a:latin typeface="Arial" panose="020B0604020202020204" pitchFamily="34" charset="0"/>
-                <a:cs typeface="Arial" panose="020B0604020202020204" pitchFamily="34" charset="0"/>
-              </a:rPr>
-              <a:t>http, network, connection, agentInfo, status</a:t>
+              <a:t>Lambda functions</a:t>
             </a:r>
           </a:p>
         </p:txBody>
@@ -4985,14 +4979,14 @@
           <p:cNvCxnSpPr>
             <a:cxnSpLocks/>
             <a:stCxn id="23" idx="3"/>
-            <a:endCxn id="32" idx="1"/>
+            <a:endCxn id="41" idx="1"/>
           </p:cNvCxnSpPr>
           <p:nvPr/>
         </p:nvCxnSpPr>
         <p:spPr bwMode="auto">
           <a:xfrm>
-            <a:off x="7156629" y="3696344"/>
-            <a:ext cx="979727" cy="0"/>
+            <a:off x="7156629" y="3955518"/>
+            <a:ext cx="470874" cy="0"/>
           </a:xfrm>
           <a:prstGeom prst="straightConnector1">
             <a:avLst/>
@@ -5031,15 +5025,15 @@
           </p:cNvPr>
           <p:cNvCxnSpPr>
             <a:cxnSpLocks/>
-            <a:stCxn id="32" idx="3"/>
+            <a:stCxn id="41" idx="3"/>
             <a:endCxn id="27" idx="1"/>
           </p:cNvCxnSpPr>
           <p:nvPr/>
         </p:nvCxnSpPr>
         <p:spPr bwMode="auto">
-          <a:xfrm flipV="1">
-            <a:off x="8898355" y="3689554"/>
-            <a:ext cx="979762" cy="6790"/>
+          <a:xfrm>
+            <a:off x="8084703" y="3963637"/>
+            <a:ext cx="476615" cy="0"/>
           </a:xfrm>
           <a:prstGeom prst="straightConnector1">
             <a:avLst/>
@@ -5084,7 +5078,7 @@
         </p:nvCxnSpPr>
         <p:spPr bwMode="auto">
           <a:xfrm flipV="1">
-            <a:off x="4309519" y="1781398"/>
+            <a:off x="4309519" y="2580898"/>
             <a:ext cx="2085110" cy="0"/>
           </a:xfrm>
           <a:prstGeom prst="straightConnector1">
@@ -5115,188 +5109,6 @@
       </p:cxnSp>
       <p:sp>
         <p:nvSpPr>
-          <p:cNvPr id="41" name="TextBox 30">
-            <a:extLst>
-              <a:ext uri="{FF2B5EF4-FFF2-40B4-BE49-F238E27FC236}">
-                <a16:creationId xmlns:a16="http://schemas.microsoft.com/office/drawing/2014/main" id="{4009AFC5-6919-3E46-AA41-BA3EAF607895}"/>
-              </a:ext>
-            </a:extLst>
-          </p:cNvPr>
-          <p:cNvSpPr txBox="1">
-            <a:spLocks noChangeArrowheads="1"/>
-          </p:cNvSpPr>
-          <p:nvPr/>
-        </p:nvSpPr>
-        <p:spPr bwMode="auto">
-          <a:xfrm>
-            <a:off x="1928619" y="5033611"/>
-            <a:ext cx="2434082" cy="461665"/>
-          </a:xfrm>
-          <a:prstGeom prst="rect">
-            <a:avLst/>
-          </a:prstGeom>
-          <a:noFill/>
-          <a:ln>
-            <a:noFill/>
-          </a:ln>
-          <a:extLst>
-            <a:ext uri="{909E8E84-426E-40DD-AFC4-6F175D3DCCD1}">
-              <a14:hiddenFill xmlns:a14="http://schemas.microsoft.com/office/drawing/2010/main">
-                <a:solidFill>
-                  <a:srgbClr val="FFFFFF"/>
-                </a:solidFill>
-              </a14:hiddenFill>
-            </a:ext>
-            <a:ext uri="{91240B29-F687-4F45-9708-019B960494DF}">
-              <a14:hiddenLine xmlns:a14="http://schemas.microsoft.com/office/drawing/2010/main" w="9525">
-                <a:solidFill>
-                  <a:srgbClr val="000000"/>
-                </a:solidFill>
-                <a:miter lim="800000"/>
-                <a:headEnd/>
-                <a:tailEnd/>
-              </a14:hiddenLine>
-            </a:ext>
-          </a:extLst>
-        </p:spPr>
-        <p:txBody>
-          <a:bodyPr wrap="square">
-            <a:spAutoFit/>
-          </a:bodyPr>
-          <a:lstStyle>
-            <a:lvl1pPr>
-              <a:defRPr>
-                <a:solidFill>
-                  <a:schemeClr val="tx1"/>
-                </a:solidFill>
-                <a:latin typeface="Calibri" panose="020F0502020204030204" pitchFamily="34" charset="0"/>
-              </a:defRPr>
-            </a:lvl1pPr>
-            <a:lvl2pPr marL="742950" indent="-285750">
-              <a:defRPr>
-                <a:solidFill>
-                  <a:schemeClr val="tx1"/>
-                </a:solidFill>
-                <a:latin typeface="Calibri" panose="020F0502020204030204" pitchFamily="34" charset="0"/>
-              </a:defRPr>
-            </a:lvl2pPr>
-            <a:lvl3pPr marL="1143000" indent="-228600">
-              <a:defRPr>
-                <a:solidFill>
-                  <a:schemeClr val="tx1"/>
-                </a:solidFill>
-                <a:latin typeface="Calibri" panose="020F0502020204030204" pitchFamily="34" charset="0"/>
-              </a:defRPr>
-            </a:lvl3pPr>
-            <a:lvl4pPr marL="1600200" indent="-228600">
-              <a:defRPr>
-                <a:solidFill>
-                  <a:schemeClr val="tx1"/>
-                </a:solidFill>
-                <a:latin typeface="Calibri" panose="020F0502020204030204" pitchFamily="34" charset="0"/>
-              </a:defRPr>
-            </a:lvl4pPr>
-            <a:lvl5pPr marL="2057400" indent="-228600">
-              <a:defRPr>
-                <a:solidFill>
-                  <a:schemeClr val="tx1"/>
-                </a:solidFill>
-                <a:latin typeface="Calibri" panose="020F0502020204030204" pitchFamily="34" charset="0"/>
-              </a:defRPr>
-            </a:lvl5pPr>
-            <a:lvl6pPr marL="2514600" indent="-228600" eaLnBrk="0" fontAlgn="base" hangingPunct="0">
-              <a:spcBef>
-                <a:spcPct val="0"/>
-              </a:spcBef>
-              <a:spcAft>
-                <a:spcPct val="0"/>
-              </a:spcAft>
-              <a:defRPr>
-                <a:solidFill>
-                  <a:schemeClr val="tx1"/>
-                </a:solidFill>
-                <a:latin typeface="Calibri" panose="020F0502020204030204" pitchFamily="34" charset="0"/>
-              </a:defRPr>
-            </a:lvl6pPr>
-            <a:lvl7pPr marL="2971800" indent="-228600" eaLnBrk="0" fontAlgn="base" hangingPunct="0">
-              <a:spcBef>
-                <a:spcPct val="0"/>
-              </a:spcBef>
-              <a:spcAft>
-                <a:spcPct val="0"/>
-              </a:spcAft>
-              <a:defRPr>
-                <a:solidFill>
-                  <a:schemeClr val="tx1"/>
-                </a:solidFill>
-                <a:latin typeface="Calibri" panose="020F0502020204030204" pitchFamily="34" charset="0"/>
-              </a:defRPr>
-            </a:lvl7pPr>
-            <a:lvl8pPr marL="3429000" indent="-228600" eaLnBrk="0" fontAlgn="base" hangingPunct="0">
-              <a:spcBef>
-                <a:spcPct val="0"/>
-              </a:spcBef>
-              <a:spcAft>
-                <a:spcPct val="0"/>
-              </a:spcAft>
-              <a:defRPr>
-                <a:solidFill>
-                  <a:schemeClr val="tx1"/>
-                </a:solidFill>
-                <a:latin typeface="Calibri" panose="020F0502020204030204" pitchFamily="34" charset="0"/>
-              </a:defRPr>
-            </a:lvl8pPr>
-            <a:lvl9pPr marL="3886200" indent="-228600" eaLnBrk="0" fontAlgn="base" hangingPunct="0">
-              <a:spcBef>
-                <a:spcPct val="0"/>
-              </a:spcBef>
-              <a:spcAft>
-                <a:spcPct val="0"/>
-              </a:spcAft>
-              <a:defRPr>
-                <a:solidFill>
-                  <a:schemeClr val="tx1"/>
-                </a:solidFill>
-                <a:latin typeface="Calibri" panose="020F0502020204030204" pitchFamily="34" charset="0"/>
-              </a:defRPr>
-            </a:lvl9pPr>
-          </a:lstStyle>
-          <a:p>
-            <a:pPr algn="ctr" eaLnBrk="1" hangingPunct="1"/>
-            <a:r>
-              <a:rPr lang="en-US" altLang="en-US" sz="1200" dirty="0">
-                <a:solidFill>
-                  <a:srgbClr val="000000"/>
-                </a:solidFill>
-                <a:latin typeface="Arial" panose="020B0604020202020204" pitchFamily="34" charset="0"/>
-                <a:cs typeface="Arial" panose="020B0604020202020204" pitchFamily="34" charset="0"/>
-              </a:rPr>
-              <a:t>ThousandEyes </a:t>
-            </a:r>
-            <a:br>
-              <a:rPr lang="en-US" altLang="en-US" sz="1200" dirty="0">
-                <a:solidFill>
-                  <a:srgbClr val="000000"/>
-                </a:solidFill>
-                <a:latin typeface="Arial" panose="020B0604020202020204" pitchFamily="34" charset="0"/>
-                <a:cs typeface="Arial" panose="020B0604020202020204" pitchFamily="34" charset="0"/>
-              </a:rPr>
-            </a:br>
-            <a:r>
-              <a:rPr lang="en-US" altLang="en-US" sz="1200" dirty="0">
-                <a:solidFill>
-                  <a:srgbClr val="000000"/>
-                </a:solidFill>
-                <a:latin typeface="Arial" panose="020B0604020202020204" pitchFamily="34" charset="0"/>
-                <a:cs typeface="Arial" panose="020B0604020202020204" pitchFamily="34" charset="0"/>
-              </a:rPr>
-              <a:t>Amazon Connect Health widget</a:t>
-            </a:r>
-          </a:p>
-        </p:txBody>
-      </p:sp>
-      <p:sp>
-        <p:nvSpPr>
           <p:cNvPr id="44" name="TextBox 16">
             <a:extLst>
               <a:ext uri="{FF2B5EF4-FFF2-40B4-BE49-F238E27FC236}">
@@ -5311,7 +5123,7 @@
         </p:nvSpPr>
         <p:spPr bwMode="auto">
           <a:xfrm>
-            <a:off x="6054712" y="6406608"/>
+            <a:off x="6054712" y="6190068"/>
             <a:ext cx="1468727" cy="276999"/>
           </a:xfrm>
           <a:prstGeom prst="rect">
@@ -5468,13 +5280,14 @@
           <p:cNvCxnSpPr>
             <a:cxnSpLocks/>
             <a:stCxn id="24" idx="2"/>
+            <a:endCxn id="56" idx="0"/>
           </p:cNvCxnSpPr>
           <p:nvPr/>
         </p:nvCxnSpPr>
         <p:spPr bwMode="auto">
-          <a:xfrm>
-            <a:off x="6775629" y="4615402"/>
-            <a:ext cx="0" cy="1312199"/>
+          <a:xfrm flipH="1">
+            <a:off x="6770631" y="4799759"/>
+            <a:ext cx="4998" cy="953377"/>
           </a:xfrm>
           <a:prstGeom prst="straightConnector1">
             <a:avLst/>
@@ -5516,7 +5329,7 @@
         </p:nvSpPr>
         <p:spPr>
           <a:xfrm>
-            <a:off x="4411781" y="6145013"/>
+            <a:off x="4272885" y="5928473"/>
             <a:ext cx="1356462" cy="276999"/>
           </a:xfrm>
           <a:prstGeom prst="rect">
@@ -5546,52 +5359,6 @@
           </a:p>
         </p:txBody>
       </p:sp>
-      <p:cxnSp>
-        <p:nvCxnSpPr>
-          <p:cNvPr id="57" name="Straight Arrow Connector 56">
-            <a:extLst>
-              <a:ext uri="{FF2B5EF4-FFF2-40B4-BE49-F238E27FC236}">
-                <a16:creationId xmlns:a16="http://schemas.microsoft.com/office/drawing/2014/main" id="{32062635-9314-F646-A0FE-E5CB2C72A3C4}"/>
-              </a:ext>
-            </a:extLst>
-          </p:cNvPr>
-          <p:cNvCxnSpPr>
-            <a:cxnSpLocks/>
-            <a:endCxn id="23" idx="1"/>
-          </p:cNvCxnSpPr>
-          <p:nvPr/>
-        </p:nvCxnSpPr>
-        <p:spPr bwMode="auto">
-          <a:xfrm>
-            <a:off x="4309519" y="3696344"/>
-            <a:ext cx="2085110" cy="0"/>
-          </a:xfrm>
-          <a:prstGeom prst="straightConnector1">
-            <a:avLst/>
-          </a:prstGeom>
-          <a:ln w="12700">
-            <a:solidFill>
-              <a:srgbClr val="545B64"/>
-            </a:solidFill>
-            <a:headEnd type="arrow" w="med" len="sm"/>
-            <a:tailEnd type="none" w="med" len="sm"/>
-          </a:ln>
-        </p:spPr>
-        <p:style>
-          <a:lnRef idx="1">
-            <a:schemeClr val="accent1"/>
-          </a:lnRef>
-          <a:fillRef idx="0">
-            <a:schemeClr val="accent1"/>
-          </a:fillRef>
-          <a:effectRef idx="0">
-            <a:schemeClr val="accent1"/>
-          </a:effectRef>
-          <a:fontRef idx="minor">
-            <a:schemeClr val="tx1"/>
-          </a:fontRef>
-        </p:style>
-      </p:cxnSp>
       <p:pic>
         <p:nvPicPr>
           <p:cNvPr id="1025" name="Picture 1024">
@@ -5620,7 +5387,7 @@
         </p:blipFill>
         <p:spPr>
           <a:xfrm>
-            <a:off x="2011387" y="79306"/>
+            <a:off x="2011387" y="513047"/>
             <a:ext cx="2298132" cy="4954305"/>
           </a:xfrm>
           <a:prstGeom prst="rect">
@@ -5631,42 +5398,6 @@
               <a:schemeClr val="tx1"/>
             </a:solidFill>
           </a:ln>
-        </p:spPr>
-      </p:pic>
-      <p:pic>
-        <p:nvPicPr>
-          <p:cNvPr id="31" name="Picture 30">
-            <a:extLst>
-              <a:ext uri="{FF2B5EF4-FFF2-40B4-BE49-F238E27FC236}">
-                <a16:creationId xmlns:a16="http://schemas.microsoft.com/office/drawing/2014/main" id="{5AC4D41F-A986-B74E-82B1-0A473CAB2ED9}"/>
-              </a:ext>
-            </a:extLst>
-          </p:cNvPr>
-          <p:cNvPicPr>
-            <a:picLocks noChangeAspect="1"/>
-          </p:cNvPicPr>
-          <p:nvPr/>
-        </p:nvPicPr>
-        <p:blipFill>
-          <a:blip r:embed="rId10" cstate="print">
-            <a:extLst>
-              <a:ext uri="{28A0092B-C50C-407E-A947-70E740481C1C}">
-                <a14:useLocalDpi xmlns:a14="http://schemas.microsoft.com/office/drawing/2010/main" val="0"/>
-              </a:ext>
-            </a:extLst>
-          </a:blip>
-          <a:stretch>
-            <a:fillRect/>
-          </a:stretch>
-        </p:blipFill>
-        <p:spPr>
-          <a:xfrm>
-            <a:off x="2838205" y="5969676"/>
-            <a:ext cx="610629" cy="432325"/>
-          </a:xfrm>
-          <a:prstGeom prst="rect">
-            <a:avLst/>
-          </a:prstGeom>
         </p:spPr>
       </p:pic>
       <p:cxnSp>
@@ -5680,15 +5411,14 @@
           </p:cNvPr>
           <p:cNvCxnSpPr>
             <a:cxnSpLocks/>
-            <a:stCxn id="32" idx="0"/>
-            <a:endCxn id="39" idx="2"/>
+            <a:stCxn id="30" idx="2"/>
           </p:cNvCxnSpPr>
           <p:nvPr/>
         </p:nvCxnSpPr>
         <p:spPr bwMode="auto">
-          <a:xfrm flipH="1" flipV="1">
-            <a:off x="8517355" y="3062662"/>
-            <a:ext cx="1" cy="252682"/>
+          <a:xfrm>
+            <a:off x="7869105" y="4608944"/>
+            <a:ext cx="0" cy="219456"/>
           </a:xfrm>
           <a:prstGeom prst="straightConnector1">
             <a:avLst/>
@@ -5732,8 +5462,8 @@
         </p:nvSpPr>
         <p:spPr bwMode="auto">
           <a:xfrm>
-            <a:off x="7505809" y="2631775"/>
-            <a:ext cx="2023092" cy="430887"/>
+            <a:off x="7477301" y="5113448"/>
+            <a:ext cx="762000" cy="261610"/>
           </a:xfrm>
           <a:prstGeom prst="rect">
             <a:avLst/>
@@ -5872,142 +5602,11 @@
                 <a:ea typeface="Amazon Ember" panose="020B0603020204020204" pitchFamily="34" charset="0"/>
                 <a:cs typeface="Arial" panose="020B0604020202020204" pitchFamily="34" charset="0"/>
               </a:rPr>
-              <a:t>IAM role:</a:t>
-            </a:r>
-          </a:p>
-          <a:p>
-            <a:pPr algn="ctr" eaLnBrk="1" hangingPunct="1"/>
-            <a:r>
-              <a:rPr lang="en-US" altLang="en-US" sz="1100" dirty="0">
-                <a:latin typeface="Arial" panose="020B0604020202020204" pitchFamily="34" charset="0"/>
-                <a:ea typeface="Amazon Ember" panose="020B0603020204020204" pitchFamily="34" charset="0"/>
-                <a:cs typeface="Arial" panose="020B0604020202020204" pitchFamily="34" charset="0"/>
-              </a:rPr>
-              <a:t>Lambda execution</a:t>
-            </a:r>
-          </a:p>
-        </p:txBody>
-      </p:sp>
-      <p:pic>
-        <p:nvPicPr>
-          <p:cNvPr id="40" name="Graphic 49">
-            <a:extLst>
-              <a:ext uri="{FF2B5EF4-FFF2-40B4-BE49-F238E27FC236}">
-                <a16:creationId xmlns:a16="http://schemas.microsoft.com/office/drawing/2014/main" id="{C8113198-839D-2143-83FD-64A922005222}"/>
-              </a:ext>
-            </a:extLst>
-          </p:cNvPr>
-          <p:cNvPicPr>
-            <a:picLocks noChangeAspect="1" noChangeArrowheads="1"/>
-          </p:cNvPicPr>
-          <p:nvPr/>
-        </p:nvPicPr>
-        <p:blipFill>
-          <a:blip r:embed="rId11" cstate="print">
-            <a:extLst>
-              <a:ext uri="{28A0092B-C50C-407E-A947-70E740481C1C}">
-                <a14:useLocalDpi xmlns:a14="http://schemas.microsoft.com/office/drawing/2010/main" val="0"/>
-              </a:ext>
-            </a:extLst>
-          </a:blip>
-          <a:srcRect/>
-          <a:stretch>
-            <a:fillRect/>
-          </a:stretch>
-        </p:blipFill>
-        <p:spPr bwMode="auto">
-          <a:xfrm>
-            <a:off x="8253229" y="2169398"/>
-            <a:ext cx="528252" cy="528252"/>
-          </a:xfrm>
-          <a:prstGeom prst="rect">
-            <a:avLst/>
-          </a:prstGeom>
-          <a:noFill/>
-          <a:ln>
-            <a:noFill/>
-          </a:ln>
-          <a:extLst>
-            <a:ext uri="{909E8E84-426E-40DD-AFC4-6F175D3DCCD1}">
-              <a14:hiddenFill xmlns:a14="http://schemas.microsoft.com/office/drawing/2010/main">
-                <a:solidFill>
-                  <a:srgbClr val="FFFFFF"/>
-                </a:solidFill>
-              </a14:hiddenFill>
-            </a:ext>
-            <a:ext uri="{91240B29-F687-4F45-9708-019B960494DF}">
-              <a14:hiddenLine xmlns:a14="http://schemas.microsoft.com/office/drawing/2010/main" w="9525">
-                <a:solidFill>
-                  <a:srgbClr val="000000"/>
-                </a:solidFill>
-                <a:miter lim="800000"/>
-                <a:headEnd/>
-                <a:tailEnd/>
-              </a14:hiddenLine>
-            </a:ext>
-          </a:extLst>
-        </p:spPr>
-      </p:pic>
-      <p:pic>
-        <p:nvPicPr>
-          <p:cNvPr id="32" name="Graphic 13">
-            <a:extLst>
-              <a:ext uri="{FF2B5EF4-FFF2-40B4-BE49-F238E27FC236}">
-                <a16:creationId xmlns:a16="http://schemas.microsoft.com/office/drawing/2014/main" id="{D10C2ED5-2038-F14C-A71E-228596DC1E94}"/>
-              </a:ext>
-            </a:extLst>
-          </p:cNvPr>
-          <p:cNvPicPr>
-            <a:picLocks noChangeAspect="1" noChangeArrowheads="1"/>
-          </p:cNvPicPr>
-          <p:nvPr/>
-        </p:nvPicPr>
-        <p:blipFill>
-          <a:blip r:embed="rId12" cstate="print">
-            <a:extLst>
-              <a:ext uri="{28A0092B-C50C-407E-A947-70E740481C1C}">
-                <a14:useLocalDpi xmlns:a14="http://schemas.microsoft.com/office/drawing/2010/main" val="0"/>
-              </a:ext>
-            </a:extLst>
-          </a:blip>
-          <a:srcRect/>
-          <a:stretch>
-            <a:fillRect/>
-          </a:stretch>
-        </p:blipFill>
-        <p:spPr bwMode="auto">
-          <a:xfrm>
-            <a:off x="8136356" y="3315344"/>
-            <a:ext cx="761999" cy="761999"/>
-          </a:xfrm>
-          <a:prstGeom prst="rect">
-            <a:avLst/>
-          </a:prstGeom>
-          <a:noFill/>
-          <a:ln>
-            <a:noFill/>
-          </a:ln>
-          <a:extLst>
-            <a:ext uri="{909E8E84-426E-40DD-AFC4-6F175D3DCCD1}">
-              <a14:hiddenFill xmlns:a14="http://schemas.microsoft.com/office/drawing/2010/main">
-                <a:solidFill>
-                  <a:srgbClr val="FFFFFF"/>
-                </a:solidFill>
-              </a14:hiddenFill>
-            </a:ext>
-            <a:ext uri="{91240B29-F687-4F45-9708-019B960494DF}">
-              <a14:hiddenLine xmlns:a14="http://schemas.microsoft.com/office/drawing/2010/main" w="9525">
-                <a:solidFill>
-                  <a:srgbClr val="000000"/>
-                </a:solidFill>
-                <a:miter lim="800000"/>
-                <a:headEnd/>
-                <a:tailEnd/>
-              </a14:hiddenLine>
-            </a:ext>
-          </a:extLst>
-        </p:spPr>
-      </p:pic>
+              <a:t>IAM role</a:t>
+            </a:r>
+          </a:p>
+        </p:txBody>
+      </p:sp>
       <p:pic>
         <p:nvPicPr>
           <p:cNvPr id="56" name="Picture 55">
@@ -6036,7 +5635,7 @@
         </p:blipFill>
         <p:spPr>
           <a:xfrm>
-            <a:off x="6465316" y="5969676"/>
+            <a:off x="6465316" y="5753136"/>
             <a:ext cx="610629" cy="432325"/>
           </a:xfrm>
           <a:prstGeom prst="rect">
@@ -6059,9 +5658,9 @@
           <p:nvPr/>
         </p:nvCxnSpPr>
         <p:spPr bwMode="auto">
-          <a:xfrm>
-            <a:off x="3522133" y="6118579"/>
-            <a:ext cx="2888565" cy="0"/>
+          <a:xfrm flipV="1">
+            <a:off x="3425206" y="5922101"/>
+            <a:ext cx="3044952" cy="1"/>
           </a:xfrm>
           <a:prstGeom prst="straightConnector1">
             <a:avLst/>
@@ -6100,14 +5699,15 @@
           </p:cNvPr>
           <p:cNvCxnSpPr>
             <a:cxnSpLocks/>
-            <a:stCxn id="41" idx="2"/>
+            <a:stCxn id="1025" idx="2"/>
+            <a:endCxn id="38" idx="0"/>
           </p:cNvCxnSpPr>
           <p:nvPr/>
         </p:nvCxnSpPr>
         <p:spPr bwMode="auto">
-          <a:xfrm>
-            <a:off x="3145660" y="5495276"/>
-            <a:ext cx="0" cy="432325"/>
+          <a:xfrm flipH="1">
+            <a:off x="3153192" y="5467352"/>
+            <a:ext cx="0" cy="219800"/>
           </a:xfrm>
           <a:prstGeom prst="straightConnector1">
             <a:avLst/>
@@ -6135,6 +5735,400 @@
           </a:fontRef>
         </p:style>
       </p:cxnSp>
+      <p:sp>
+        <p:nvSpPr>
+          <p:cNvPr id="33" name="TextBox 30">
+            <a:extLst>
+              <a:ext uri="{FF2B5EF4-FFF2-40B4-BE49-F238E27FC236}">
+                <a16:creationId xmlns:a16="http://schemas.microsoft.com/office/drawing/2014/main" id="{519C8553-48D4-42EE-A7AD-7C892230295B}"/>
+              </a:ext>
+            </a:extLst>
+          </p:cNvPr>
+          <p:cNvSpPr txBox="1">
+            <a:spLocks noChangeArrowheads="1"/>
+          </p:cNvSpPr>
+          <p:nvPr/>
+        </p:nvSpPr>
+        <p:spPr bwMode="auto">
+          <a:xfrm>
+            <a:off x="4583463" y="4758385"/>
+            <a:ext cx="1397094" cy="461665"/>
+          </a:xfrm>
+          <a:prstGeom prst="rect">
+            <a:avLst/>
+          </a:prstGeom>
+          <a:noFill/>
+          <a:ln>
+            <a:noFill/>
+          </a:ln>
+          <a:extLst>
+            <a:ext uri="{909E8E84-426E-40DD-AFC4-6F175D3DCCD1}">
+              <a14:hiddenFill xmlns:a14="http://schemas.microsoft.com/office/drawing/2010/main">
+                <a:solidFill>
+                  <a:srgbClr val="FFFFFF"/>
+                </a:solidFill>
+              </a14:hiddenFill>
+            </a:ext>
+            <a:ext uri="{91240B29-F687-4F45-9708-019B960494DF}">
+              <a14:hiddenLine xmlns:a14="http://schemas.microsoft.com/office/drawing/2010/main" w="9525">
+                <a:solidFill>
+                  <a:srgbClr val="000000"/>
+                </a:solidFill>
+                <a:miter lim="800000"/>
+                <a:headEnd/>
+                <a:tailEnd/>
+              </a14:hiddenLine>
+            </a:ext>
+          </a:extLst>
+        </p:spPr>
+        <p:txBody>
+          <a:bodyPr wrap="square">
+            <a:spAutoFit/>
+          </a:bodyPr>
+          <a:lstStyle>
+            <a:lvl1pPr>
+              <a:defRPr>
+                <a:solidFill>
+                  <a:schemeClr val="tx1"/>
+                </a:solidFill>
+                <a:latin typeface="Calibri" panose="020F0502020204030204" pitchFamily="34" charset="0"/>
+              </a:defRPr>
+            </a:lvl1pPr>
+            <a:lvl2pPr marL="742950" indent="-285750">
+              <a:defRPr>
+                <a:solidFill>
+                  <a:schemeClr val="tx1"/>
+                </a:solidFill>
+                <a:latin typeface="Calibri" panose="020F0502020204030204" pitchFamily="34" charset="0"/>
+              </a:defRPr>
+            </a:lvl2pPr>
+            <a:lvl3pPr marL="1143000" indent="-228600">
+              <a:defRPr>
+                <a:solidFill>
+                  <a:schemeClr val="tx1"/>
+                </a:solidFill>
+                <a:latin typeface="Calibri" panose="020F0502020204030204" pitchFamily="34" charset="0"/>
+              </a:defRPr>
+            </a:lvl3pPr>
+            <a:lvl4pPr marL="1600200" indent="-228600">
+              <a:defRPr>
+                <a:solidFill>
+                  <a:schemeClr val="tx1"/>
+                </a:solidFill>
+                <a:latin typeface="Calibri" panose="020F0502020204030204" pitchFamily="34" charset="0"/>
+              </a:defRPr>
+            </a:lvl4pPr>
+            <a:lvl5pPr marL="2057400" indent="-228600">
+              <a:defRPr>
+                <a:solidFill>
+                  <a:schemeClr val="tx1"/>
+                </a:solidFill>
+                <a:latin typeface="Calibri" panose="020F0502020204030204" pitchFamily="34" charset="0"/>
+              </a:defRPr>
+            </a:lvl5pPr>
+            <a:lvl6pPr marL="2514600" indent="-228600" eaLnBrk="0" fontAlgn="base" hangingPunct="0">
+              <a:spcBef>
+                <a:spcPct val="0"/>
+              </a:spcBef>
+              <a:spcAft>
+                <a:spcPct val="0"/>
+              </a:spcAft>
+              <a:defRPr>
+                <a:solidFill>
+                  <a:schemeClr val="tx1"/>
+                </a:solidFill>
+                <a:latin typeface="Calibri" panose="020F0502020204030204" pitchFamily="34" charset="0"/>
+              </a:defRPr>
+            </a:lvl6pPr>
+            <a:lvl7pPr marL="2971800" indent="-228600" eaLnBrk="0" fontAlgn="base" hangingPunct="0">
+              <a:spcBef>
+                <a:spcPct val="0"/>
+              </a:spcBef>
+              <a:spcAft>
+                <a:spcPct val="0"/>
+              </a:spcAft>
+              <a:defRPr>
+                <a:solidFill>
+                  <a:schemeClr val="tx1"/>
+                </a:solidFill>
+                <a:latin typeface="Calibri" panose="020F0502020204030204" pitchFamily="34" charset="0"/>
+              </a:defRPr>
+            </a:lvl7pPr>
+            <a:lvl8pPr marL="3429000" indent="-228600" eaLnBrk="0" fontAlgn="base" hangingPunct="0">
+              <a:spcBef>
+                <a:spcPct val="0"/>
+              </a:spcBef>
+              <a:spcAft>
+                <a:spcPct val="0"/>
+              </a:spcAft>
+              <a:defRPr>
+                <a:solidFill>
+                  <a:schemeClr val="tx1"/>
+                </a:solidFill>
+                <a:latin typeface="Calibri" panose="020F0502020204030204" pitchFamily="34" charset="0"/>
+              </a:defRPr>
+            </a:lvl8pPr>
+            <a:lvl9pPr marL="3886200" indent="-228600" eaLnBrk="0" fontAlgn="base" hangingPunct="0">
+              <a:spcBef>
+                <a:spcPct val="0"/>
+              </a:spcBef>
+              <a:spcAft>
+                <a:spcPct val="0"/>
+              </a:spcAft>
+              <a:defRPr>
+                <a:solidFill>
+                  <a:schemeClr val="tx1"/>
+                </a:solidFill>
+                <a:latin typeface="Calibri" panose="020F0502020204030204" pitchFamily="34" charset="0"/>
+              </a:defRPr>
+            </a:lvl9pPr>
+          </a:lstStyle>
+          <a:p>
+            <a:r>
+              <a:rPr lang="en-US" altLang="en-US" sz="1200" dirty="0">
+                <a:solidFill>
+                  <a:srgbClr val="000000"/>
+                </a:solidFill>
+                <a:latin typeface="Arial" panose="020B0604020202020204" pitchFamily="34" charset="0"/>
+                <a:cs typeface="Arial" panose="020B0604020202020204" pitchFamily="34" charset="0"/>
+              </a:rPr>
+              <a:t>Amazon Connect Health widget</a:t>
+            </a:r>
+          </a:p>
+        </p:txBody>
+      </p:sp>
+      <p:sp>
+        <p:nvSpPr>
+          <p:cNvPr id="6" name="Left Brace 5">
+            <a:extLst>
+              <a:ext uri="{FF2B5EF4-FFF2-40B4-BE49-F238E27FC236}">
+                <a16:creationId xmlns:a16="http://schemas.microsoft.com/office/drawing/2014/main" id="{57794E84-110D-4569-81C1-4018FE390D46}"/>
+              </a:ext>
+            </a:extLst>
+          </p:cNvPr>
+          <p:cNvSpPr/>
+          <p:nvPr/>
+        </p:nvSpPr>
+        <p:spPr>
+          <a:xfrm flipH="1">
+            <a:off x="4357423" y="4511084"/>
+            <a:ext cx="196401" cy="956268"/>
+          </a:xfrm>
+          <a:prstGeom prst="leftBrace">
+            <a:avLst>
+              <a:gd name="adj1" fmla="val 72336"/>
+              <a:gd name="adj2" fmla="val 51932"/>
+            </a:avLst>
+          </a:prstGeom>
+          <a:ln>
+            <a:solidFill>
+              <a:schemeClr val="tx1"/>
+            </a:solidFill>
+          </a:ln>
+        </p:spPr>
+        <p:style>
+          <a:lnRef idx="1">
+            <a:schemeClr val="accent1"/>
+          </a:lnRef>
+          <a:fillRef idx="0">
+            <a:schemeClr val="accent1"/>
+          </a:fillRef>
+          <a:effectRef idx="0">
+            <a:schemeClr val="accent1"/>
+          </a:effectRef>
+          <a:fontRef idx="minor">
+            <a:schemeClr val="tx1"/>
+          </a:fontRef>
+        </p:style>
+        <p:txBody>
+          <a:bodyPr rtlCol="0" anchor="ctr"/>
+          <a:lstStyle/>
+          <a:p>
+            <a:pPr algn="ctr"/>
+            <a:endParaRPr lang="en-US" dirty="0"/>
+          </a:p>
+        </p:txBody>
+      </p:sp>
+      <p:pic>
+        <p:nvPicPr>
+          <p:cNvPr id="38" name="Graphic 24">
+            <a:extLst>
+              <a:ext uri="{FF2B5EF4-FFF2-40B4-BE49-F238E27FC236}">
+                <a16:creationId xmlns:a16="http://schemas.microsoft.com/office/drawing/2014/main" id="{E48E3F61-71E7-4314-9123-AAA861F6A785}"/>
+              </a:ext>
+            </a:extLst>
+          </p:cNvPr>
+          <p:cNvPicPr>
+            <a:picLocks noChangeAspect="1" noChangeArrowheads="1"/>
+          </p:cNvPicPr>
+          <p:nvPr/>
+        </p:nvPicPr>
+        <p:blipFill>
+          <a:blip r:embed="rId11" cstate="print">
+            <a:extLst>
+              <a:ext uri="{28A0092B-C50C-407E-A947-70E740481C1C}">
+                <a14:useLocalDpi xmlns:a14="http://schemas.microsoft.com/office/drawing/2010/main" val="0"/>
+              </a:ext>
+            </a:extLst>
+          </a:blip>
+          <a:srcRect/>
+          <a:stretch>
+            <a:fillRect/>
+          </a:stretch>
+        </p:blipFill>
+        <p:spPr bwMode="auto">
+          <a:xfrm>
+            <a:off x="2918242" y="5687152"/>
+            <a:ext cx="469900" cy="469900"/>
+          </a:xfrm>
+          <a:prstGeom prst="rect">
+            <a:avLst/>
+          </a:prstGeom>
+          <a:noFill/>
+          <a:ln>
+            <a:noFill/>
+          </a:ln>
+          <a:extLst>
+            <a:ext uri="{909E8E84-426E-40DD-AFC4-6F175D3DCCD1}">
+              <a14:hiddenFill xmlns:a14="http://schemas.microsoft.com/office/drawing/2010/main">
+                <a:solidFill>
+                  <a:srgbClr val="FFFFFF"/>
+                </a:solidFill>
+              </a14:hiddenFill>
+            </a:ext>
+            <a:ext uri="{91240B29-F687-4F45-9708-019B960494DF}">
+              <a14:hiddenLine xmlns:a14="http://schemas.microsoft.com/office/drawing/2010/main" w="9525">
+                <a:solidFill>
+                  <a:srgbClr val="000000"/>
+                </a:solidFill>
+                <a:miter lim="800000"/>
+                <a:headEnd/>
+                <a:tailEnd/>
+              </a14:hiddenLine>
+            </a:ext>
+          </a:extLst>
+        </p:spPr>
+      </p:pic>
+      <p:pic>
+        <p:nvPicPr>
+          <p:cNvPr id="41" name="Graphic 13">
+            <a:extLst>
+              <a:ext uri="{FF2B5EF4-FFF2-40B4-BE49-F238E27FC236}">
+                <a16:creationId xmlns:a16="http://schemas.microsoft.com/office/drawing/2014/main" id="{98685CB0-A117-4CBD-A0AE-F34521BEEFFF}"/>
+              </a:ext>
+            </a:extLst>
+          </p:cNvPr>
+          <p:cNvPicPr>
+            <a:picLocks noChangeAspect="1" noChangeArrowheads="1"/>
+          </p:cNvPicPr>
+          <p:nvPr/>
+        </p:nvPicPr>
+        <p:blipFill>
+          <a:blip r:embed="rId12" cstate="print">
+            <a:extLst>
+              <a:ext uri="{28A0092B-C50C-407E-A947-70E740481C1C}">
+                <a14:useLocalDpi xmlns:a14="http://schemas.microsoft.com/office/drawing/2010/main" val="0"/>
+              </a:ext>
+            </a:extLst>
+          </a:blip>
+          <a:srcRect/>
+          <a:stretch>
+            <a:fillRect/>
+          </a:stretch>
+        </p:blipFill>
+        <p:spPr bwMode="auto">
+          <a:xfrm>
+            <a:off x="7627503" y="3735037"/>
+            <a:ext cx="457200" cy="457200"/>
+          </a:xfrm>
+          <a:prstGeom prst="rect">
+            <a:avLst/>
+          </a:prstGeom>
+          <a:noFill/>
+          <a:ln>
+            <a:noFill/>
+          </a:ln>
+          <a:extLst>
+            <a:ext uri="{909E8E84-426E-40DD-AFC4-6F175D3DCCD1}">
+              <a14:hiddenFill xmlns:a14="http://schemas.microsoft.com/office/drawing/2010/main">
+                <a:solidFill>
+                  <a:srgbClr val="FFFFFF"/>
+                </a:solidFill>
+              </a14:hiddenFill>
+            </a:ext>
+            <a:ext uri="{91240B29-F687-4F45-9708-019B960494DF}">
+              <a14:hiddenLine xmlns:a14="http://schemas.microsoft.com/office/drawing/2010/main" w="9525">
+                <a:solidFill>
+                  <a:srgbClr val="000000"/>
+                </a:solidFill>
+                <a:miter lim="800000"/>
+                <a:headEnd/>
+                <a:tailEnd/>
+              </a14:hiddenLine>
+            </a:ext>
+          </a:extLst>
+        </p:spPr>
+      </p:pic>
+      <p:pic>
+        <p:nvPicPr>
+          <p:cNvPr id="42" name="Graphic 49">
+            <a:extLst>
+              <a:ext uri="{FF2B5EF4-FFF2-40B4-BE49-F238E27FC236}">
+                <a16:creationId xmlns:a16="http://schemas.microsoft.com/office/drawing/2014/main" id="{11F15B9C-5A82-44D2-9199-F19C5950B58A}"/>
+              </a:ext>
+            </a:extLst>
+          </p:cNvPr>
+          <p:cNvPicPr>
+            <a:picLocks noChangeAspect="1" noChangeArrowheads="1"/>
+          </p:cNvPicPr>
+          <p:nvPr/>
+        </p:nvPicPr>
+        <p:blipFill>
+          <a:blip r:embed="rId13" cstate="print">
+            <a:extLst>
+              <a:ext uri="{28A0092B-C50C-407E-A947-70E740481C1C}">
+                <a14:useLocalDpi xmlns:a14="http://schemas.microsoft.com/office/drawing/2010/main" val="0"/>
+              </a:ext>
+            </a:extLst>
+          </a:blip>
+          <a:srcRect/>
+          <a:stretch>
+            <a:fillRect/>
+          </a:stretch>
+        </p:blipFill>
+        <p:spPr bwMode="auto">
+          <a:xfrm>
+            <a:off x="7629701" y="4767947"/>
+            <a:ext cx="457200" cy="457200"/>
+          </a:xfrm>
+          <a:prstGeom prst="rect">
+            <a:avLst/>
+          </a:prstGeom>
+          <a:noFill/>
+          <a:ln>
+            <a:noFill/>
+          </a:ln>
+          <a:extLst>
+            <a:ext uri="{909E8E84-426E-40DD-AFC4-6F175D3DCCD1}">
+              <a14:hiddenFill xmlns:a14="http://schemas.microsoft.com/office/drawing/2010/main">
+                <a:solidFill>
+                  <a:srgbClr val="FFFFFF"/>
+                </a:solidFill>
+              </a14:hiddenFill>
+            </a:ext>
+            <a:ext uri="{91240B29-F687-4F45-9708-019B960494DF}">
+              <a14:hiddenLine xmlns:a14="http://schemas.microsoft.com/office/drawing/2010/main" w="9525">
+                <a:solidFill>
+                  <a:srgbClr val="000000"/>
+                </a:solidFill>
+                <a:miter lim="800000"/>
+                <a:headEnd/>
+                <a:tailEnd/>
+              </a14:hiddenLine>
+            </a:ext>
+          </a:extLst>
+        </p:spPr>
+      </p:pic>
     </p:spTree>
     <p:extLst>
       <p:ext uri="{BB962C8B-B14F-4D97-AF65-F5344CB8AC3E}">
